--- a/5_2_GenomicRangeQuery/GenomicRangeQuery_design.pptx
+++ b/5_2_GenomicRangeQuery/GenomicRangeQuery_design.pptx
@@ -104,6 +104,11 @@
       </a:defRPr>
     </a:lvl9pPr>
   </p:defaultTextStyle>
+  <p:extLst>
+    <p:ext uri="{EFAFB233-063F-42B5-8137-9DF3F51BA10A}">
+      <p15:sldGuideLst xmlns:p15="http://schemas.microsoft.com/office/powerpoint/2012/main"/>
+    </p:ext>
+  </p:extLst>
 </p:presentation>
 </file>
 
@@ -3799,7 +3804,7 @@
         <p:spPr>
           <a:xfrm>
             <a:off x="593996" y="2189890"/>
-            <a:ext cx="2053767" cy="307777"/>
+            <a:ext cx="2116285" cy="307777"/>
           </a:xfrm>
           <a:prstGeom prst="rect">
             <a:avLst/>
@@ -3817,8 +3822,12 @@
               <a:t>1 ~ 50000 </a:t>
             </a:r>
             <a:r>
-              <a:rPr lang="ko-KR" altLang="en-US" sz="1400" dirty="0" smtClean="0"/>
-              <a:t>사이의 크기</a:t>
+              <a:rPr lang="ko-KR" altLang="en-US" sz="1400" smtClean="0"/>
+              <a:t>사이의 </a:t>
+            </a:r>
+            <a:r>
+              <a:rPr lang="ko-KR" altLang="en-US" sz="1400" smtClean="0"/>
+              <a:t>크기 </a:t>
             </a:r>
             <a:endParaRPr lang="ko-KR" altLang="en-US" sz="1400" dirty="0"/>
           </a:p>
@@ -6550,7 +6559,6 @@
               <a:rPr lang="en-US" altLang="ko-KR" sz="1050" dirty="0" smtClean="0"/>
               <a:t>A [0,0,0,0], [1,0,0,0]</a:t>
             </a:r>
-            <a:endParaRPr lang="en-US" altLang="ko-KR" sz="1050" dirty="0" smtClean="0"/>
           </a:p>
           <a:p>
             <a:r>
@@ -6562,11 +6570,7 @@
           <a:p>
             <a:r>
               <a:rPr lang="en-US" altLang="ko-KR" sz="1050" dirty="0" smtClean="0"/>
-              <a:t>C </a:t>
-            </a:r>
-            <a:r>
-              <a:rPr lang="en-US" altLang="ko-KR" sz="1050" dirty="0" smtClean="0"/>
-              <a:t>[0,0,0,0], [1,0,0,0], [2,0,0,0], [2,1,0,0]</a:t>
+              <a:t>C [0,0,0,0], [1,0,0,0], [2,0,0,0], [2,1,0,0]</a:t>
             </a:r>
           </a:p>
           <a:p>
@@ -6578,91 +6582,55 @@
           <a:p>
             <a:r>
               <a:rPr lang="en-US" altLang="ko-KR" sz="1050" dirty="0" smtClean="0"/>
-              <a:t>A </a:t>
-            </a:r>
+              <a:t>A [0,0,0,0], [1,0,0,0], [2,0,0,0], [2,1,0,0], [2,1,0,1], [3,1,0,1]</a:t>
+            </a:r>
+          </a:p>
+          <a:p>
             <a:r>
               <a:rPr lang="en-US" altLang="ko-KR" sz="1050" dirty="0" smtClean="0"/>
-              <a:t>[0,0,0,0], [1,0,0,0], [2,0,0,0], [2,1,0,0], [2,1,0,1], [3,1,0,1]</a:t>
+              <a:t>G [0,0,0,0], [1,0,0,0], [2,0,0,0], [2,1,0,0], [2,1,0,1], [3,1,0,1], [3,1,1,1]</a:t>
             </a:r>
           </a:p>
           <a:p>
             <a:r>
               <a:rPr lang="en-US" altLang="ko-KR" sz="1050" dirty="0" smtClean="0"/>
-              <a:t>G </a:t>
-            </a:r>
+              <a:t>G [0,0,0,0], [1,0,0,0], [2,0,0,0], [2,1,0,0], [2,1,0,1], [3,1,0,1], [3,1,1,1], [3,1,2,1]</a:t>
+            </a:r>
+          </a:p>
+          <a:p>
             <a:r>
               <a:rPr lang="en-US" altLang="ko-KR" sz="1050" dirty="0" smtClean="0"/>
-              <a:t>[0,0,0,0], [1,0,0,0], [2,0,0,0], [2,1,0,0], [2,1,0,1], [3,1,0,1], [3,1,1,1]</a:t>
+              <a:t>A [0,0,0,0], [1,0,0,0], [2,0,0,0], [2,1,0,0], [2,1,0,1], [3,1,0,1], [3,1,1,1], [3,1,2,1], [4,1,2,1]</a:t>
             </a:r>
           </a:p>
           <a:p>
             <a:r>
               <a:rPr lang="en-US" altLang="ko-KR" sz="1050" dirty="0" smtClean="0"/>
-              <a:t>G </a:t>
-            </a:r>
+              <a:t>A [0,0,0,0], [1,0,0,0], [2,0,0,0], [2,1,0,0], [2,1,0,1], [3,1,0,1], [3,1,1,1], [3,1,2,1], [4,1,2,1], [5,1,2,1]</a:t>
+            </a:r>
+          </a:p>
+          <a:p>
             <a:r>
               <a:rPr lang="en-US" altLang="ko-KR" sz="1050" dirty="0" smtClean="0"/>
-              <a:t>[0,0,0,0], [1,0,0,0], [2,0,0,0], [2,1,0,0], [2,1,0,1], [3,1,0,1], [3,1,1,1], [3,1,2,1]</a:t>
+              <a:t>C [0,0,0,0], [1,0,0,0], [2,0,0,0], [2,1,0,0], [2,1,0,1], [3,1,0,1], [3,1,1,1], [3,1,2,1], [4,1,2,1], [5,1,2,1], [5,2,2,1]</a:t>
             </a:r>
           </a:p>
           <a:p>
             <a:r>
               <a:rPr lang="en-US" altLang="ko-KR" sz="1050" dirty="0" smtClean="0"/>
-              <a:t>A </a:t>
-            </a:r>
+              <a:t>C [0,0,0,0], [1,0,0,0], [2,0,0,0], [2,1,0,0], [2,1,0,1], [3,1,0,1], [3,1,1,1], [3,1,2,1], [4,1,2,1], [5,1,2,1], [5,2,2,1], [5,3,2,1]</a:t>
+            </a:r>
+          </a:p>
+          <a:p>
             <a:r>
               <a:rPr lang="en-US" altLang="ko-KR" sz="1050" dirty="0" smtClean="0"/>
-              <a:t>[0,0,0,0], [1,0,0,0], [2,0,0,0], [2,1,0,0], [2,1,0,1], [3,1,0,1], [3,1,1,1], [3,1,2,1], [4,1,2,1]</a:t>
+              <a:t>T [0,0,0,0], [1,0,0,0], [2,0,0,0], [2,1,0,0], [2,1,0,1], [3,1,0,1], [3,1,1,1], [3,1,2,1], [4,1,2,1], [5,1,2,1], [5,2,2,1], [5,3,2,1], [5,3,2,2]</a:t>
             </a:r>
           </a:p>
           <a:p>
             <a:r>
               <a:rPr lang="en-US" altLang="ko-KR" sz="1050" dirty="0" smtClean="0"/>
-              <a:t>A </a:t>
-            </a:r>
-            <a:r>
-              <a:rPr lang="en-US" altLang="ko-KR" sz="1050" dirty="0" smtClean="0"/>
-              <a:t>[0,0,0,0], [1,0,0,0], [2,0,0,0], [2,1,0,0], [2,1,0,1], [3,1,0,1], [3,1,1,1], [3,1,2,1], [4,1,2,1], [5,1,2,1]</a:t>
-            </a:r>
-          </a:p>
-          <a:p>
-            <a:r>
-              <a:rPr lang="en-US" altLang="ko-KR" sz="1050" dirty="0" smtClean="0"/>
-              <a:t>C </a:t>
-            </a:r>
-            <a:r>
-              <a:rPr lang="en-US" altLang="ko-KR" sz="1050" dirty="0" smtClean="0"/>
-              <a:t>[0,0,0,0], [1,0,0,0], [2,0,0,0], [2,1,0,0], [2,1,0,1], [3,1,0,1], [3,1,1,1], [3,1,2,1], [4,1,2,1], [5,1,2,1], [5,2,2,1]</a:t>
-            </a:r>
-          </a:p>
-          <a:p>
-            <a:r>
-              <a:rPr lang="en-US" altLang="ko-KR" sz="1050" dirty="0" smtClean="0"/>
-              <a:t>C </a:t>
-            </a:r>
-            <a:r>
-              <a:rPr lang="en-US" altLang="ko-KR" sz="1050" dirty="0" smtClean="0"/>
-              <a:t>[0,0,0,0], [1,0,0,0], [2,0,0,0], [2,1,0,0], [2,1,0,1], [3,1,0,1], [3,1,1,1], [3,1,2,1], [4,1,2,1], [5,1,2,1], [5,2,2,1], [5,3,2,1]</a:t>
-            </a:r>
-          </a:p>
-          <a:p>
-            <a:r>
-              <a:rPr lang="en-US" altLang="ko-KR" sz="1050" dirty="0" smtClean="0"/>
-              <a:t>T </a:t>
-            </a:r>
-            <a:r>
-              <a:rPr lang="en-US" altLang="ko-KR" sz="1050" dirty="0" smtClean="0"/>
-              <a:t>[0,0,0,0], [1,0,0,0], [2,0,0,0], [2,1,0,0], [2,1,0,1], [3,1,0,1], [3,1,1,1], [3,1,2,1], [4,1,2,1], [5,1,2,1], [5,2,2,1], [5,3,2,1], [5,3,2,2]</a:t>
-            </a:r>
-          </a:p>
-          <a:p>
-            <a:r>
-              <a:rPr lang="en-US" altLang="ko-KR" sz="1050" dirty="0" smtClean="0"/>
-              <a:t>T </a:t>
-            </a:r>
-            <a:r>
-              <a:rPr lang="en-US" altLang="ko-KR" sz="1050" dirty="0" smtClean="0"/>
-              <a:t>[0,0,0,0], [1,0,0,0], [2,0,0,0], [2,1,0,0], [2,1,0,1], [3,1,0,1], [3,1,1,1], [3,1,2,1], [4,1,2,1], [5,1,2,1], [5,2,2,1], [5,3,2,1], [5,3,2,2], [5,3,2,3]</a:t>
+              <a:t>T [0,0,0,0], [1,0,0,0], [2,0,0,0], [2,1,0,0], [2,1,0,1], [3,1,0,1], [3,1,1,1], [3,1,2,1], [4,1,2,1], [5,1,2,1], [5,2,2,1], [5,3,2,1], [5,3,2,2], [5,3,2,3]</a:t>
             </a:r>
             <a:endParaRPr lang="ko-KR" altLang="en-US" sz="1050" dirty="0" smtClean="0"/>
           </a:p>
